--- a/database/slides/HAIL_QUEEN_OF_HEAVEN.pptx
+++ b/database/slides/HAIL_QUEEN_OF_HEAVEN.pptx
@@ -15812,7 +15812,13 @@
       </p:sp>
       <p:sp>
         <p:nvSpPr>
-          <p:cNvPr id="131" name="Google Shape;131;p25"/>
+          <p:cNvPr id="2" name="Google Shape;131;p25">
+            <a:extLst>
+              <a:ext uri="{FF2B5EF4-FFF2-40B4-BE49-F238E27FC236}">
+                <a16:creationId xmlns:a16="http://schemas.microsoft.com/office/drawing/2014/main" id="{E1CCF121-F4A3-DC1D-26AE-27C8DF16A43C}"/>
+              </a:ext>
+            </a:extLst>
+          </p:cNvPr>
           <p:cNvSpPr txBox="1"/>
           <p:nvPr/>
         </p:nvSpPr>
@@ -15835,11 +15841,19 @@
           </a:bodyPr>
           <a:lstStyle/>
           <a:p>
-            <a:pPr>
+            <a:pPr marL="0" lvl="0" indent="0" algn="l" rtl="0">
+              <a:spcBef>
+                <a:spcPts val="0"/>
+              </a:spcBef>
+              <a:spcAft>
+                <a:spcPts val="0"/>
+              </a:spcAft>
               <a:buClr>
                 <a:schemeClr val="lt1"/>
               </a:buClr>
               <a:buSzPts val="3200"/>
+              <a:buFont typeface="Arial"/>
+              <a:buNone/>
             </a:pPr>
             <a:r>
               <a:rPr lang="en-GB" sz="3600" b="1" i="1" dirty="0">
@@ -15853,7 +15867,7 @@
               </a:rPr>
               <a:t>contd..</a:t>
             </a:r>
-            <a:endParaRPr lang="en-GB" sz="3600" dirty="0">
+            <a:endParaRPr sz="3600" dirty="0">
               <a:latin typeface="Calibri"/>
               <a:ea typeface="Calibri"/>
               <a:cs typeface="Calibri"/>

--- a/database/slides/HAIL_QUEEN_OF_HEAVEN.pptx
+++ b/database/slides/HAIL_QUEEN_OF_HEAVEN.pptx
@@ -830,13 +830,7 @@
   <p:cSld>
     <p:spTree>
       <p:nvGrpSpPr>
-        <p:cNvPr id="1" name="Shape 125">
-          <a:extLst>
-            <a:ext uri="{FF2B5EF4-FFF2-40B4-BE49-F238E27FC236}">
-              <a16:creationId xmlns:a16="http://schemas.microsoft.com/office/drawing/2014/main" id="{4B020686-21CC-7B11-1B65-FA20BE73AF8B}"/>
-            </a:ext>
-          </a:extLst>
-        </p:cNvPr>
+        <p:cNvPr id="1" name="Shape 125"/>
         <p:cNvGrpSpPr/>
         <p:nvPr/>
       </p:nvGrpSpPr>
@@ -850,13 +844,7 @@
       </p:grpSpPr>
       <p:sp>
         <p:nvSpPr>
-          <p:cNvPr id="126" name="Google Shape;126;g24f3f32051f_0_87:notes">
-            <a:extLst>
-              <a:ext uri="{FF2B5EF4-FFF2-40B4-BE49-F238E27FC236}">
-                <a16:creationId xmlns:a16="http://schemas.microsoft.com/office/drawing/2014/main" id="{A8F259E2-CB4A-7086-C3AC-B0043EED05F3}"/>
-              </a:ext>
-            </a:extLst>
-          </p:cNvPr>
+          <p:cNvPr id="126" name="Google Shape;126;g24f3f32051f_0_87:notes"/>
           <p:cNvSpPr txBox="1">
             <a:spLocks noGrp="1"/>
           </p:cNvSpPr>
@@ -894,13 +882,7 @@
       </p:sp>
       <p:sp>
         <p:nvSpPr>
-          <p:cNvPr id="127" name="Google Shape;127;g24f3f32051f_0_87:notes">
-            <a:extLst>
-              <a:ext uri="{FF2B5EF4-FFF2-40B4-BE49-F238E27FC236}">
-                <a16:creationId xmlns:a16="http://schemas.microsoft.com/office/drawing/2014/main" id="{BE1D3833-BD1D-ADB4-5234-38D8B2AF33D1}"/>
-              </a:ext>
-            </a:extLst>
-          </p:cNvPr>
+          <p:cNvPr id="127" name="Google Shape;127;g24f3f32051f_0_87:notes"/>
           <p:cNvSpPr>
             <a:spLocks noGrp="1" noRot="1" noChangeAspect="1"/>
           </p:cNvSpPr>
@@ -942,7 +924,7 @@
     </p:spTree>
     <p:extLst>
       <p:ext uri="{BB962C8B-B14F-4D97-AF65-F5344CB8AC3E}">
-        <p14:creationId xmlns:p14="http://schemas.microsoft.com/office/powerpoint/2010/main" val="73629004"/>
+        <p14:creationId xmlns:p14="http://schemas.microsoft.com/office/powerpoint/2010/main" val="2292722759"/>
       </p:ext>
     </p:extLst>
   </p:cSld>
@@ -15667,16 +15649,20 @@
               </a:rPr>
               <a:t>Guide of the wonderer here below,</a:t>
             </a:r>
-            <a:br>
-              <a:rPr lang="en-GB" sz="3600" b="1" dirty="0">
-                <a:solidFill>
-                  <a:schemeClr val="bg1"/>
-                </a:solidFill>
-                <a:latin typeface="Calibri" panose="020F0502020204030204" pitchFamily="34" charset="0"/>
-                <a:ea typeface="Calibri" panose="020F0502020204030204" pitchFamily="34" charset="0"/>
-                <a:cs typeface="Calibri" panose="020F0502020204030204" pitchFamily="34" charset="0"/>
-              </a:rPr>
-            </a:br>
+          </a:p>
+          <a:p>
+            <a:pPr marL="114300" indent="0">
+              <a:lnSpc>
+                <a:spcPct val="100000"/>
+              </a:lnSpc>
+              <a:spcBef>
+                <a:spcPct val="0"/>
+              </a:spcBef>
+              <a:spcAft>
+                <a:spcPct val="0"/>
+              </a:spcAft>
+              <a:buNone/>
+            </a:pPr>
             <a:r>
               <a:rPr lang="en-GB" sz="3600" b="1" dirty="0">
                 <a:solidFill>
@@ -15711,7 +15697,7 @@
                 <a:ea typeface="Calibri" panose="020F0502020204030204" pitchFamily="34" charset="0"/>
                 <a:cs typeface="Calibri" panose="020F0502020204030204" pitchFamily="34" charset="0"/>
               </a:rPr>
-              <a:t>Save us from peril and from woe.</a:t>
+              <a:t>save us from peril and from woe.</a:t>
             </a:r>
           </a:p>
           <a:p>
@@ -15727,7 +15713,7 @@
               </a:spcAft>
               <a:buNone/>
             </a:pPr>
-            <a:endParaRPr lang="en-GB" sz="3600" b="1" i="1" dirty="0">
+            <a:endParaRPr lang="en-GB" sz="3600" b="1" dirty="0">
               <a:solidFill>
                 <a:schemeClr val="bg1"/>
               </a:solidFill>
@@ -15749,7 +15735,7 @@
               </a:spcAft>
               <a:buNone/>
             </a:pPr>
-            <a:endParaRPr lang="en-GB" sz="3600" b="1" i="1" dirty="0">
+            <a:endParaRPr lang="en-GB" sz="3600" b="1" dirty="0">
               <a:solidFill>
                 <a:schemeClr val="bg1"/>
               </a:solidFill>
@@ -15815,7 +15801,7 @@
           <p:cNvPr id="2" name="Google Shape;131;p25">
             <a:extLst>
               <a:ext uri="{FF2B5EF4-FFF2-40B4-BE49-F238E27FC236}">
-                <a16:creationId xmlns:a16="http://schemas.microsoft.com/office/drawing/2014/main" id="{E1CCF121-F4A3-DC1D-26AE-27C8DF16A43C}"/>
+                <a16:creationId xmlns:a16="http://schemas.microsoft.com/office/drawing/2014/main" id="{9C3E2805-8386-E05F-0FB1-1D7DCED0BCFA}"/>
               </a:ext>
             </a:extLst>
           </p:cNvPr>
@@ -15902,13 +15888,7 @@
     </p:bg>
     <p:spTree>
       <p:nvGrpSpPr>
-        <p:cNvPr id="1" name="Shape 128">
-          <a:extLst>
-            <a:ext uri="{FF2B5EF4-FFF2-40B4-BE49-F238E27FC236}">
-              <a16:creationId xmlns:a16="http://schemas.microsoft.com/office/drawing/2014/main" id="{649AFFB0-DB4F-1BA6-6FE3-1AC680C4E1DB}"/>
-            </a:ext>
-          </a:extLst>
-        </p:cNvPr>
+        <p:cNvPr id="1" name="Shape 128"/>
         <p:cNvGrpSpPr/>
         <p:nvPr/>
       </p:nvGrpSpPr>
@@ -15922,13 +15902,7 @@
       </p:grpSpPr>
       <p:sp>
         <p:nvSpPr>
-          <p:cNvPr id="129" name="Google Shape;129;p25">
-            <a:extLst>
-              <a:ext uri="{FF2B5EF4-FFF2-40B4-BE49-F238E27FC236}">
-                <a16:creationId xmlns:a16="http://schemas.microsoft.com/office/drawing/2014/main" id="{2C380CAF-D29F-2CD6-C448-1E773BE5F436}"/>
-              </a:ext>
-            </a:extLst>
-          </p:cNvPr>
+          <p:cNvPr id="129" name="Google Shape;129;p25"/>
           <p:cNvSpPr txBox="1">
             <a:spLocks noGrp="1"/>
           </p:cNvSpPr>
@@ -15969,13 +15943,7 @@
       </p:sp>
       <p:sp>
         <p:nvSpPr>
-          <p:cNvPr id="130" name="Google Shape;130;p25">
-            <a:extLst>
-              <a:ext uri="{FF2B5EF4-FFF2-40B4-BE49-F238E27FC236}">
-                <a16:creationId xmlns:a16="http://schemas.microsoft.com/office/drawing/2014/main" id="{70E5EA7C-3618-D42E-2CC7-EE4538E81A9E}"/>
-              </a:ext>
-            </a:extLst>
-          </p:cNvPr>
+          <p:cNvPr id="130" name="Google Shape;130;p25"/>
           <p:cNvSpPr txBox="1">
             <a:spLocks noGrp="1"/>
           </p:cNvSpPr>
@@ -16048,7 +16016,7 @@
                 <a:ea typeface="Calibri" panose="020F0502020204030204" pitchFamily="34" charset="0"/>
                 <a:cs typeface="Calibri" panose="020F0502020204030204" pitchFamily="34" charset="0"/>
               </a:rPr>
-              <a:t>We sinners make out prayers through thee;</a:t>
+              <a:t>We sinners make our prayers through thee;</a:t>
             </a:r>
           </a:p>
           <a:p>
@@ -16073,7 +16041,7 @@
                 <a:ea typeface="Calibri" panose="020F0502020204030204" pitchFamily="34" charset="0"/>
                 <a:cs typeface="Calibri" panose="020F0502020204030204" pitchFamily="34" charset="0"/>
               </a:rPr>
-              <a:t>Remind thy Son that he has paid </a:t>
+              <a:t>Remind thy Son that he has paid</a:t>
             </a:r>
           </a:p>
           <a:p>
@@ -16098,7 +16066,7 @@
                 <a:ea typeface="Calibri" panose="020F0502020204030204" pitchFamily="34" charset="0"/>
                 <a:cs typeface="Calibri" panose="020F0502020204030204" pitchFamily="34" charset="0"/>
               </a:rPr>
-              <a:t>The price of our iniquity.</a:t>
+              <a:t>the price of our iniquity.</a:t>
             </a:r>
           </a:p>
           <a:p>
@@ -16114,7 +16082,7 @@
               </a:spcAft>
               <a:buNone/>
             </a:pPr>
-            <a:endParaRPr lang="en-GB" sz="3600" b="1" i="1" dirty="0">
+            <a:endParaRPr lang="en-GB" sz="3600" b="1" dirty="0">
               <a:solidFill>
                 <a:schemeClr val="bg1"/>
               </a:solidFill>
@@ -16136,7 +16104,7 @@
               </a:spcAft>
               <a:buNone/>
             </a:pPr>
-            <a:endParaRPr lang="en-GB" sz="3600" b="1" i="1" dirty="0">
+            <a:endParaRPr lang="en-GB" sz="3600" b="1" dirty="0">
               <a:solidFill>
                 <a:schemeClr val="bg1"/>
               </a:solidFill>
@@ -16167,7 +16135,7 @@
                 <a:ea typeface="Calibri" panose="020F0502020204030204" pitchFamily="34" charset="0"/>
                 <a:cs typeface="Calibri" panose="020F0502020204030204" pitchFamily="34" charset="0"/>
               </a:rPr>
-              <a:t>Virgin most pure, Star of the sea</a:t>
+              <a:t>Mother of Christ, Star of the sea</a:t>
             </a:r>
           </a:p>
           <a:p>
@@ -16192,17 +16160,17 @@
                 <a:ea typeface="Calibri" panose="020F0502020204030204" pitchFamily="34" charset="0"/>
                 <a:cs typeface="Calibri" panose="020F0502020204030204" pitchFamily="34" charset="0"/>
               </a:rPr>
-              <a:t>Pray for the sinner, pray for me. (2)</a:t>
+              <a:t>Pray for the wanderer, pray for me. (2)</a:t>
             </a:r>
           </a:p>
         </p:txBody>
       </p:sp>
       <p:sp>
         <p:nvSpPr>
-          <p:cNvPr id="131" name="Google Shape;131;p25">
+          <p:cNvPr id="2" name="Google Shape;131;p25">
             <a:extLst>
               <a:ext uri="{FF2B5EF4-FFF2-40B4-BE49-F238E27FC236}">
-                <a16:creationId xmlns:a16="http://schemas.microsoft.com/office/drawing/2014/main" id="{693AB7D4-F4F2-5450-CDED-9BFFBD0FB5F0}"/>
+                <a16:creationId xmlns:a16="http://schemas.microsoft.com/office/drawing/2014/main" id="{9C3E2805-8386-E05F-0FB1-1D7DCED0BCFA}"/>
               </a:ext>
             </a:extLst>
           </p:cNvPr>
@@ -16228,13 +16196,21 @@
           </a:bodyPr>
           <a:lstStyle/>
           <a:p>
-            <a:pPr>
+            <a:pPr marL="0" lvl="0" indent="0" algn="l" rtl="0">
+              <a:spcBef>
+                <a:spcPts val="0"/>
+              </a:spcBef>
+              <a:spcAft>
+                <a:spcPts val="0"/>
+              </a:spcAft>
               <a:buClr>
                 <a:schemeClr val="lt1"/>
               </a:buClr>
               <a:buSzPts val="3200"/>
+              <a:buFont typeface="Arial"/>
+              <a:buNone/>
             </a:pPr>
-            <a:endParaRPr lang="en-GB" sz="3600" dirty="0">
+            <a:endParaRPr sz="3600" dirty="0">
               <a:latin typeface="Calibri"/>
               <a:ea typeface="Calibri"/>
               <a:cs typeface="Calibri"/>
@@ -16246,7 +16222,7 @@
     </p:spTree>
     <p:extLst>
       <p:ext uri="{BB962C8B-B14F-4D97-AF65-F5344CB8AC3E}">
-        <p14:creationId xmlns:p14="http://schemas.microsoft.com/office/powerpoint/2010/main" val="559846613"/>
+        <p14:creationId xmlns:p14="http://schemas.microsoft.com/office/powerpoint/2010/main" val="2634484650"/>
       </p:ext>
     </p:extLst>
   </p:cSld>
